--- a/clases/Cap02_Geometria/presentaciones/CV02_TrifocalGeometry.pptx
+++ b/clases/Cap02_Geometria/presentaciones/CV02_TrifocalGeometry.pptx
@@ -217,7 +217,7 @@
           <a:p>
             <a:fld id="{08FA71BF-89FD-A341-9C04-DF74749A48F6}" type="datetimeFigureOut">
               <a:rPr lang="en-US" smtClean="0"/>
-              <a:t>9/17/21</a:t>
+              <a:t>9/14/22</a:t>
             </a:fld>
             <a:endParaRPr lang="en-US"/>
           </a:p>
@@ -751,7 +751,7 @@
           <a:p>
             <a:fld id="{E49082AB-9DE3-2C45-84C6-FCE2D62D89C5}" type="datetimeFigureOut">
               <a:rPr lang="en-US" smtClean="0"/>
-              <a:t>9/17/21</a:t>
+              <a:t>9/14/22</a:t>
             </a:fld>
             <a:endParaRPr lang="en-US"/>
           </a:p>
@@ -919,7 +919,7 @@
           <a:p>
             <a:fld id="{E49082AB-9DE3-2C45-84C6-FCE2D62D89C5}" type="datetimeFigureOut">
               <a:rPr lang="en-US" smtClean="0"/>
-              <a:t>9/17/21</a:t>
+              <a:t>9/14/22</a:t>
             </a:fld>
             <a:endParaRPr lang="en-US"/>
           </a:p>
@@ -1097,7 +1097,7 @@
           <a:p>
             <a:fld id="{E49082AB-9DE3-2C45-84C6-FCE2D62D89C5}" type="datetimeFigureOut">
               <a:rPr lang="en-US" smtClean="0"/>
-              <a:t>9/17/21</a:t>
+              <a:t>9/14/22</a:t>
             </a:fld>
             <a:endParaRPr lang="en-US"/>
           </a:p>
@@ -1265,7 +1265,7 @@
           <a:p>
             <a:fld id="{E49082AB-9DE3-2C45-84C6-FCE2D62D89C5}" type="datetimeFigureOut">
               <a:rPr lang="en-US" smtClean="0"/>
-              <a:t>9/17/21</a:t>
+              <a:t>9/14/22</a:t>
             </a:fld>
             <a:endParaRPr lang="en-US"/>
           </a:p>
@@ -1510,7 +1510,7 @@
           <a:p>
             <a:fld id="{E49082AB-9DE3-2C45-84C6-FCE2D62D89C5}" type="datetimeFigureOut">
               <a:rPr lang="en-US" smtClean="0"/>
-              <a:t>9/17/21</a:t>
+              <a:t>9/14/22</a:t>
             </a:fld>
             <a:endParaRPr lang="en-US"/>
           </a:p>
@@ -1795,7 +1795,7 @@
           <a:p>
             <a:fld id="{E49082AB-9DE3-2C45-84C6-FCE2D62D89C5}" type="datetimeFigureOut">
               <a:rPr lang="en-US" smtClean="0"/>
-              <a:t>9/17/21</a:t>
+              <a:t>9/14/22</a:t>
             </a:fld>
             <a:endParaRPr lang="en-US"/>
           </a:p>
@@ -2214,7 +2214,7 @@
           <a:p>
             <a:fld id="{E49082AB-9DE3-2C45-84C6-FCE2D62D89C5}" type="datetimeFigureOut">
               <a:rPr lang="en-US" smtClean="0"/>
-              <a:t>9/17/21</a:t>
+              <a:t>9/14/22</a:t>
             </a:fld>
             <a:endParaRPr lang="en-US"/>
           </a:p>
@@ -2331,7 +2331,7 @@
           <a:p>
             <a:fld id="{E49082AB-9DE3-2C45-84C6-FCE2D62D89C5}" type="datetimeFigureOut">
               <a:rPr lang="en-US" smtClean="0"/>
-              <a:t>9/17/21</a:t>
+              <a:t>9/14/22</a:t>
             </a:fld>
             <a:endParaRPr lang="en-US"/>
           </a:p>
@@ -2426,7 +2426,7 @@
           <a:p>
             <a:fld id="{E49082AB-9DE3-2C45-84C6-FCE2D62D89C5}" type="datetimeFigureOut">
               <a:rPr lang="en-US" smtClean="0"/>
-              <a:t>9/17/21</a:t>
+              <a:t>9/14/22</a:t>
             </a:fld>
             <a:endParaRPr lang="en-US"/>
           </a:p>
@@ -2701,7 +2701,7 @@
           <a:p>
             <a:fld id="{E49082AB-9DE3-2C45-84C6-FCE2D62D89C5}" type="datetimeFigureOut">
               <a:rPr lang="en-US" smtClean="0"/>
-              <a:t>9/17/21</a:t>
+              <a:t>9/14/22</a:t>
             </a:fld>
             <a:endParaRPr lang="en-US"/>
           </a:p>
@@ -2953,7 +2953,7 @@
           <a:p>
             <a:fld id="{E49082AB-9DE3-2C45-84C6-FCE2D62D89C5}" type="datetimeFigureOut">
               <a:rPr lang="en-US" smtClean="0"/>
-              <a:t>9/17/21</a:t>
+              <a:t>9/14/22</a:t>
             </a:fld>
             <a:endParaRPr lang="en-US"/>
           </a:p>
@@ -3164,7 +3164,7 @@
           <a:p>
             <a:fld id="{E49082AB-9DE3-2C45-84C6-FCE2D62D89C5}" type="datetimeFigureOut">
               <a:rPr lang="en-US" smtClean="0"/>
-              <a:t>9/17/21</a:t>
+              <a:t>9/14/22</a:t>
             </a:fld>
             <a:endParaRPr lang="en-US"/>
           </a:p>
@@ -3864,8 +3864,8 @@
         </p:nvSpPr>
         <p:spPr bwMode="auto">
           <a:xfrm>
-            <a:off x="2710122" y="1690179"/>
-            <a:ext cx="3690433" cy="3785652"/>
+            <a:off x="2662833" y="1690179"/>
+            <a:ext cx="3785011" cy="3785652"/>
           </a:xfrm>
           <a:prstGeom prst="rect">
             <a:avLst/>
@@ -4159,7 +4159,7 @@
                 </a:solidFill>
                 <a:latin typeface="Trebuchet MS" pitchFamily="34" charset="0"/>
               </a:rPr>
-              <a:t>Departmento de Ciencia de la Computación</a:t>
+              <a:t>Departamento de Ciencia de la Computación</a:t>
             </a:r>
           </a:p>
           <a:p>
